--- a/Presentation/VereinsFinanzManager.pptx
+++ b/Presentation/VereinsFinanzManager.pptx
@@ -7337,12 +7337,8 @@
               <a:buChar char="│"/>
             </a:pPr>
             <a:r>
-              <a:rPr lang="de-DE" dirty="0" err="1"/>
-              <a:t>Computed</a:t>
-            </a:r>
-            <a:r>
               <a:rPr lang="de-DE" dirty="0"/>
-              <a:t> Pattern</a:t>
+              <a:t>Computed Pattern</a:t>
             </a:r>
           </a:p>
           <a:p>
@@ -7552,8 +7548,8 @@
         </p:nvSpPr>
         <p:spPr>
           <a:xfrm>
-            <a:off x="1154953" y="3128400"/>
-            <a:ext cx="3704868" cy="2895599"/>
+            <a:off x="1154952" y="3128400"/>
+            <a:ext cx="3770513" cy="2895599"/>
           </a:xfrm>
           <a:prstGeom prst="rect">
             <a:avLst/>
@@ -7800,7 +7796,7 @@
             </a:pPr>
             <a:r>
               <a:rPr lang="de-DE" dirty="0"/>
-              <a:t>Das Schema Versioning-Muster ist ideal für einen oder eine Kombination der folgenden Fälle</a:t>
+              <a:t>Das Schema Versioning-Pattern ist ideal für einen oder eine Kombination der folgenden Fälle</a:t>
             </a:r>
             <a:endParaRPr lang="de-DE" u="sng" dirty="0"/>
           </a:p>
@@ -7853,15 +7849,7 @@
             </a:pPr>
             <a:r>
               <a:rPr lang="de-DE" dirty="0"/>
-              <a:t>Das </a:t>
-            </a:r>
-            <a:r>
-              <a:rPr lang="de-DE" dirty="0" err="1"/>
-              <a:t>Schemaversionierungsmuster</a:t>
-            </a:r>
-            <a:r>
-              <a:rPr lang="de-DE" dirty="0"/>
-              <a:t> hilft zu entscheiden, wann und wie Datenmigrationen im Vergleich zu herkömmlichen SQL-Datenbanken stattfinden.</a:t>
+              <a:t>Das Schema Versioning-Pattern hilft zu entscheiden, wann und wie Daten-migrationen im Vergleich zu herkömmlichen SQL-Datenbanken stattfindet.</a:t>
             </a:r>
           </a:p>
           <a:p>
@@ -8217,6 +8205,78 @@
           </a:p>
         </p:txBody>
       </p:sp>
+      <p:sp>
+        <p:nvSpPr>
+          <p:cNvPr id="10" name="Rechteck 9">
+            <a:extLst>
+              <a:ext uri="{FF2B5EF4-FFF2-40B4-BE49-F238E27FC236}">
+                <a16:creationId xmlns:a16="http://schemas.microsoft.com/office/drawing/2014/main" id="{B980A954-A7AF-46EB-8EE4-7F82ED55A65A}"/>
+              </a:ext>
+            </a:extLst>
+          </p:cNvPr>
+          <p:cNvSpPr/>
+          <p:nvPr/>
+        </p:nvSpPr>
+        <p:spPr>
+          <a:xfrm>
+            <a:off x="8330647" y="187511"/>
+            <a:ext cx="1926760" cy="763436"/>
+          </a:xfrm>
+          <a:prstGeom prst="rect">
+            <a:avLst/>
+          </a:prstGeom>
+          <a:gradFill>
+            <a:gsLst>
+              <a:gs pos="8000">
+                <a:srgbClr val="103A48"/>
+              </a:gs>
+              <a:gs pos="100000">
+                <a:srgbClr val="39726A"/>
+              </a:gs>
+            </a:gsLst>
+            <a:lin ang="10800000" scaled="0"/>
+          </a:gradFill>
+          <a:ln>
+            <a:solidFill>
+              <a:srgbClr val="B01513"/>
+            </a:solidFill>
+          </a:ln>
+          <a:effectLst>
+            <a:outerShdw blurRad="50800" dist="38100" dir="2700000" algn="tl" rotWithShape="0">
+              <a:prstClr val="black">
+                <a:alpha val="40000"/>
+              </a:prstClr>
+            </a:outerShdw>
+          </a:effectLst>
+        </p:spPr>
+        <p:style>
+          <a:lnRef idx="2">
+            <a:schemeClr val="accent1">
+              <a:shade val="50000"/>
+            </a:schemeClr>
+          </a:lnRef>
+          <a:fillRef idx="1">
+            <a:schemeClr val="accent1"/>
+          </a:fillRef>
+          <a:effectRef idx="0">
+            <a:schemeClr val="accent1"/>
+          </a:effectRef>
+          <a:fontRef idx="minor">
+            <a:schemeClr val="lt1"/>
+          </a:fontRef>
+        </p:style>
+        <p:txBody>
+          <a:bodyPr rtlCol="0" anchor="ctr"/>
+          <a:lstStyle/>
+          <a:p>
+            <a:pPr algn="ctr"/>
+            <a:r>
+              <a:rPr lang="de-DE" dirty="0"/>
+              <a:t>Maintainability</a:t>
+            </a:r>
+          </a:p>
+        </p:txBody>
+      </p:sp>
     </p:spTree>
     <p:extLst>
       <p:ext uri="{BB962C8B-B14F-4D97-AF65-F5344CB8AC3E}">
@@ -8577,12 +8637,8 @@
           <a:lstStyle/>
           <a:p>
             <a:r>
-              <a:rPr lang="de-DE" sz="2800" u="sng" dirty="0" err="1"/>
-              <a:t>Computed</a:t>
-            </a:r>
-            <a:r>
               <a:rPr lang="de-DE" sz="2800" u="sng" dirty="0"/>
-              <a:t> Pattern</a:t>
+              <a:t>Computed Pattern</a:t>
             </a:r>
             <a:endParaRPr lang="de-DE" u="sng" dirty="0"/>
           </a:p>
@@ -9024,6 +9080,85 @@
           </p:txBody>
         </p:sp>
       </p:grpSp>
+      <p:sp>
+        <p:nvSpPr>
+          <p:cNvPr id="14" name="Rechteck 13">
+            <a:extLst>
+              <a:ext uri="{FF2B5EF4-FFF2-40B4-BE49-F238E27FC236}">
+                <a16:creationId xmlns:a16="http://schemas.microsoft.com/office/drawing/2014/main" id="{990297F6-9A94-4AC7-AF0A-7E4BE93F8B42}"/>
+              </a:ext>
+            </a:extLst>
+          </p:cNvPr>
+          <p:cNvSpPr/>
+          <p:nvPr/>
+        </p:nvSpPr>
+        <p:spPr>
+          <a:xfrm>
+            <a:off x="8330647" y="187511"/>
+            <a:ext cx="1926760" cy="763436"/>
+          </a:xfrm>
+          <a:prstGeom prst="rect">
+            <a:avLst/>
+          </a:prstGeom>
+          <a:gradFill>
+            <a:gsLst>
+              <a:gs pos="8000">
+                <a:srgbClr val="103A48"/>
+              </a:gs>
+              <a:gs pos="100000">
+                <a:srgbClr val="39726A"/>
+              </a:gs>
+            </a:gsLst>
+            <a:lin ang="10800000" scaled="0"/>
+          </a:gradFill>
+          <a:ln>
+            <a:solidFill>
+              <a:srgbClr val="B01513"/>
+            </a:solidFill>
+          </a:ln>
+          <a:effectLst>
+            <a:outerShdw blurRad="50800" dist="38100" dir="2700000" algn="tl" rotWithShape="0">
+              <a:prstClr val="black">
+                <a:alpha val="40000"/>
+              </a:prstClr>
+            </a:outerShdw>
+          </a:effectLst>
+        </p:spPr>
+        <p:style>
+          <a:lnRef idx="2">
+            <a:schemeClr val="accent1">
+              <a:shade val="50000"/>
+            </a:schemeClr>
+          </a:lnRef>
+          <a:fillRef idx="1">
+            <a:schemeClr val="accent1"/>
+          </a:fillRef>
+          <a:effectRef idx="0">
+            <a:schemeClr val="accent1"/>
+          </a:effectRef>
+          <a:fontRef idx="minor">
+            <a:schemeClr val="lt1"/>
+          </a:fontRef>
+        </p:style>
+        <p:txBody>
+          <a:bodyPr rtlCol="0" anchor="ctr"/>
+          <a:lstStyle/>
+          <a:p>
+            <a:pPr algn="ctr"/>
+            <a:r>
+              <a:rPr lang="de-DE" dirty="0"/>
+              <a:t>Performance</a:t>
+            </a:r>
+          </a:p>
+          <a:p>
+            <a:pPr algn="ctr"/>
+            <a:r>
+              <a:rPr lang="de-DE" dirty="0"/>
+              <a:t>Efficiency</a:t>
+            </a:r>
+          </a:p>
+        </p:txBody>
+      </p:sp>
     </p:spTree>
     <p:extLst>
       <p:ext uri="{BB962C8B-B14F-4D97-AF65-F5344CB8AC3E}">
@@ -9995,6 +10130,85 @@
           </p:style>
         </p:cxnSp>
       </p:grpSp>
+      <p:sp>
+        <p:nvSpPr>
+          <p:cNvPr id="15" name="Rechteck 14">
+            <a:extLst>
+              <a:ext uri="{FF2B5EF4-FFF2-40B4-BE49-F238E27FC236}">
+                <a16:creationId xmlns:a16="http://schemas.microsoft.com/office/drawing/2014/main" id="{F3A31506-8BA6-47CC-A397-FD2239366DC2}"/>
+              </a:ext>
+            </a:extLst>
+          </p:cNvPr>
+          <p:cNvSpPr/>
+          <p:nvPr/>
+        </p:nvSpPr>
+        <p:spPr>
+          <a:xfrm>
+            <a:off x="8330647" y="187511"/>
+            <a:ext cx="1926760" cy="763436"/>
+          </a:xfrm>
+          <a:prstGeom prst="rect">
+            <a:avLst/>
+          </a:prstGeom>
+          <a:gradFill>
+            <a:gsLst>
+              <a:gs pos="8000">
+                <a:srgbClr val="103A48"/>
+              </a:gs>
+              <a:gs pos="100000">
+                <a:srgbClr val="39726A"/>
+              </a:gs>
+            </a:gsLst>
+            <a:lin ang="10800000" scaled="0"/>
+          </a:gradFill>
+          <a:ln>
+            <a:solidFill>
+              <a:srgbClr val="B01513"/>
+            </a:solidFill>
+          </a:ln>
+          <a:effectLst>
+            <a:outerShdw blurRad="50800" dist="38100" dir="2700000" algn="tl" rotWithShape="0">
+              <a:prstClr val="black">
+                <a:alpha val="40000"/>
+              </a:prstClr>
+            </a:outerShdw>
+          </a:effectLst>
+        </p:spPr>
+        <p:style>
+          <a:lnRef idx="2">
+            <a:schemeClr val="accent1">
+              <a:shade val="50000"/>
+            </a:schemeClr>
+          </a:lnRef>
+          <a:fillRef idx="1">
+            <a:schemeClr val="accent1"/>
+          </a:fillRef>
+          <a:effectRef idx="0">
+            <a:schemeClr val="accent1"/>
+          </a:effectRef>
+          <a:fontRef idx="minor">
+            <a:schemeClr val="lt1"/>
+          </a:fontRef>
+        </p:style>
+        <p:txBody>
+          <a:bodyPr rtlCol="0" anchor="ctr"/>
+          <a:lstStyle/>
+          <a:p>
+            <a:pPr algn="ctr"/>
+            <a:r>
+              <a:rPr lang="de-DE" dirty="0"/>
+              <a:t>Performance</a:t>
+            </a:r>
+          </a:p>
+          <a:p>
+            <a:pPr algn="ctr"/>
+            <a:r>
+              <a:rPr lang="de-DE" dirty="0"/>
+              <a:t>Efficiency</a:t>
+            </a:r>
+          </a:p>
+        </p:txBody>
+      </p:sp>
     </p:spTree>
     <p:extLst>
       <p:ext uri="{BB962C8B-B14F-4D97-AF65-F5344CB8AC3E}">
@@ -10502,10 +10716,9 @@
               <a:buChar char="│"/>
             </a:pPr>
             <a:r>
-              <a:rPr lang="de-DE" dirty="0" err="1"/>
+              <a:rPr lang="de-DE" dirty="0"/>
               <a:t>Computed</a:t>
             </a:r>
-            <a:endParaRPr lang="de-DE" dirty="0"/>
           </a:p>
           <a:p>
             <a:pPr>
@@ -14006,6 +14219,12 @@
             <a:prstGeom prst="flowChartMagneticDisk">
               <a:avLst/>
             </a:prstGeom>
+            <a:ln w="38100">
+              <a:solidFill>
+                <a:srgbClr val="B01513"/>
+              </a:solidFill>
+              <a:prstDash val="lgDash"/>
+            </a:ln>
           </p:spPr>
           <p:style>
             <a:lnRef idx="2">
@@ -14028,7 +14247,7 @@
               <a:pPr algn="ctr"/>
               <a:r>
                 <a:rPr lang="de-DE" dirty="0"/>
-                <a:t>Departments, Teams, etc.</a:t>
+                <a:t>Departments, Teams, etc.*</a:t>
               </a:r>
             </a:p>
           </p:txBody>
